--- a/决赛答辩-AnneY.pptx
+++ b/决赛答辩-AnneY.pptx
@@ -27,31 +27,31 @@
   <p:notesSz cx="6858000" cy="9144000"/>
   <p:embeddedFontLst>
     <p:embeddedFont>
-      <p:font typeface="等线" panose="02010600030101010101" pitchFamily="2" charset="-122"/>
+      <p:font typeface="微软雅黑" panose="020B0503020204020204" pitchFamily="34" charset="-122"/>
       <p:regular r:id="rId17"/>
       <p:bold r:id="rId18"/>
     </p:embeddedFont>
     <p:embeddedFont>
-      <p:font typeface="Microsoft YaHei" panose="020B0503020204020204" pitchFamily="34" charset="-122"/>
-      <p:regular r:id="rId19"/>
-      <p:bold r:id="rId20"/>
-    </p:embeddedFont>
-    <p:embeddedFont>
-      <p:font typeface="Microsoft YaHei" panose="020B0503020204020204" pitchFamily="34" charset="-122"/>
-      <p:regular r:id="rId19"/>
-      <p:bold r:id="rId20"/>
+      <p:font typeface="微软雅黑" panose="020B0503020204020204" pitchFamily="34" charset="-122"/>
+      <p:regular r:id="rId17"/>
+      <p:bold r:id="rId18"/>
     </p:embeddedFont>
     <p:embeddedFont>
       <p:font typeface="Calibri" panose="020F0502020204030204" pitchFamily="34" charset="0"/>
-      <p:regular r:id="rId21"/>
-      <p:bold r:id="rId22"/>
-      <p:italic r:id="rId23"/>
-      <p:boldItalic r:id="rId24"/>
+      <p:regular r:id="rId19"/>
+      <p:bold r:id="rId20"/>
+      <p:italic r:id="rId21"/>
+      <p:boldItalic r:id="rId22"/>
     </p:embeddedFont>
     <p:embeddedFont>
       <p:font typeface="Calibri Light" panose="020F0302020204030204" pitchFamily="34" charset="0"/>
+      <p:regular r:id="rId23"/>
+      <p:italic r:id="rId24"/>
+    </p:embeddedFont>
+    <p:embeddedFont>
+      <p:font typeface="等线" panose="02010600030101010101" pitchFamily="2" charset="-122"/>
       <p:regular r:id="rId25"/>
-      <p:italic r:id="rId26"/>
+      <p:bold r:id="rId26"/>
     </p:embeddedFont>
   </p:embeddedFontLst>
   <p:defaultTextStyle>
@@ -309,6 +309,9 @@
         </p14:section>
       </p14:sectionLst>
     </p:ext>
+    <p:ext uri="{EFAFB233-063F-42B5-8137-9DF3F51BA10A}">
+      <p15:sldGuideLst xmlns:p15="http://schemas.microsoft.com/office/powerpoint/2012/main"/>
+    </p:ext>
   </p:extLst>
 </p:presentation>
 </file>
@@ -867,7 +870,7 @@
           </a:bodyPr>
           <a:lstStyle/>
           <a:p>
-            <a:endParaRPr lang="zh-CN" altLang="en-US"/>
+            <a:endParaRPr lang="zh-CN" altLang="en-US" dirty="0"/>
           </a:p>
         </p:txBody>
       </p:sp>
@@ -4497,10 +4500,10 @@
       </p:grpSpPr>
       <p:pic>
         <p:nvPicPr>
-          <p:cNvPr id="25" name="图片 24" descr="图示&#10;&#10;描述已自动生成">
+          <p:cNvPr id="5" name="图片 4" descr="图示&#10;&#10;描述已自动生成">
             <a:extLst>
               <a:ext uri="{FF2B5EF4-FFF2-40B4-BE49-F238E27FC236}">
-                <a16:creationId xmlns:a16="http://schemas.microsoft.com/office/drawing/2014/main" id="{00574D5F-2EB4-4D39-AB54-B1D298B44DEC}"/>
+                <a16:creationId xmlns:a16="http://schemas.microsoft.com/office/drawing/2014/main" id="{AE7725CE-303B-42AA-B6D1-8B5846A7A1A5}"/>
               </a:ext>
             </a:extLst>
           </p:cNvPr>
@@ -5093,22 +5096,8 @@
                   <a:ea typeface="微软雅黑" panose="020B0503020204020204" pitchFamily="34" charset="-122"/>
                   <a:cs typeface="Times New Roman" panose="02020603050405020304" pitchFamily="18" charset="0"/>
                 </a:rPr>
-                <a:t>GET/</a:t>
+                <a:t>GET</a:t>
               </a:r>
-              <a:r>
-                <a:rPr lang="en-US" altLang="zh-CN" kern="100" dirty="0">
-                  <a:latin typeface="微软雅黑" panose="020B0503020204020204" pitchFamily="34" charset="-122"/>
-                  <a:ea typeface="微软雅黑" panose="020B0503020204020204" pitchFamily="34" charset="-122"/>
-                  <a:cs typeface="Times New Roman" panose="02020603050405020304" pitchFamily="18" charset="0"/>
-                </a:rPr>
-                <a:t>PUT</a:t>
-              </a:r>
-              <a:endParaRPr lang="en-US" altLang="zh-CN" kern="100" dirty="0">
-                <a:effectLst/>
-                <a:latin typeface="微软雅黑" panose="020B0503020204020204" pitchFamily="34" charset="-122"/>
-                <a:ea typeface="微软雅黑" panose="020B0503020204020204" pitchFamily="34" charset="-122"/>
-                <a:cs typeface="Times New Roman" panose="02020603050405020304" pitchFamily="18" charset="0"/>
-              </a:endParaRPr>
             </a:p>
             <a:p>
               <a:pPr marL="285750" indent="-285750" algn="just">

--- a/决赛答辩-AnneY.pptx
+++ b/决赛答辩-AnneY.pptx
@@ -27,29 +27,29 @@
   <p:notesSz cx="6858000" cy="9144000"/>
   <p:embeddedFontLst>
     <p:embeddedFont>
-      <p:font typeface="微软雅黑" panose="020B0503020204020204" pitchFamily="34" charset="-122"/>
+      <p:font typeface="Calibri" panose="020F0502020204030204" pitchFamily="34" charset="0"/>
       <p:regular r:id="rId17"/>
       <p:bold r:id="rId18"/>
+      <p:italic r:id="rId19"/>
+      <p:boldItalic r:id="rId20"/>
+    </p:embeddedFont>
+    <p:embeddedFont>
+      <p:font typeface="Calibri Light" panose="020F0302020204030204" pitchFamily="34" charset="0"/>
+      <p:regular r:id="rId21"/>
+      <p:italic r:id="rId22"/>
+    </p:embeddedFont>
+    <p:embeddedFont>
+      <p:font typeface="等线" panose="02010600030101010101" pitchFamily="2" charset="-122"/>
+      <p:regular r:id="rId23"/>
+      <p:bold r:id="rId24"/>
     </p:embeddedFont>
     <p:embeddedFont>
       <p:font typeface="微软雅黑" panose="020B0503020204020204" pitchFamily="34" charset="-122"/>
-      <p:regular r:id="rId17"/>
-      <p:bold r:id="rId18"/>
+      <p:regular r:id="rId25"/>
+      <p:bold r:id="rId26"/>
     </p:embeddedFont>
     <p:embeddedFont>
-      <p:font typeface="Calibri" panose="020F0502020204030204" pitchFamily="34" charset="0"/>
-      <p:regular r:id="rId19"/>
-      <p:bold r:id="rId20"/>
-      <p:italic r:id="rId21"/>
-      <p:boldItalic r:id="rId22"/>
-    </p:embeddedFont>
-    <p:embeddedFont>
-      <p:font typeface="Calibri Light" panose="020F0302020204030204" pitchFamily="34" charset="0"/>
-      <p:regular r:id="rId23"/>
-      <p:italic r:id="rId24"/>
-    </p:embeddedFont>
-    <p:embeddedFont>
-      <p:font typeface="等线" panose="02010600030101010101" pitchFamily="2" charset="-122"/>
+      <p:font typeface="微软雅黑" panose="020B0503020204020204" pitchFamily="34" charset="-122"/>
       <p:regular r:id="rId25"/>
       <p:bold r:id="rId26"/>
     </p:embeddedFont>
@@ -4500,10 +4500,10 @@
       </p:grpSpPr>
       <p:pic>
         <p:nvPicPr>
-          <p:cNvPr id="5" name="图片 4" descr="图示&#10;&#10;描述已自动生成">
+          <p:cNvPr id="8" name="图片 7" descr="图示&#10;&#10;描述已自动生成">
             <a:extLst>
               <a:ext uri="{FF2B5EF4-FFF2-40B4-BE49-F238E27FC236}">
-                <a16:creationId xmlns:a16="http://schemas.microsoft.com/office/drawing/2014/main" id="{AE7725CE-303B-42AA-B6D1-8B5846A7A1A5}"/>
+                <a16:creationId xmlns:a16="http://schemas.microsoft.com/office/drawing/2014/main" id="{2B9620D6-CD64-4137-BF36-83C96EC332D9}"/>
               </a:ext>
             </a:extLst>
           </p:cNvPr>
@@ -4762,9 +4762,9 @@
         <p:grpSpPr>
           <a:xfrm>
             <a:off x="4076939" y="1392839"/>
-            <a:ext cx="4826317" cy="2955296"/>
+            <a:ext cx="4826317" cy="2951192"/>
             <a:chOff x="4315302" y="1364299"/>
-            <a:chExt cx="4826317" cy="2955296"/>
+            <a:chExt cx="4826317" cy="2951192"/>
           </a:xfrm>
         </p:grpSpPr>
         <p:sp>
@@ -4855,7 +4855,7 @@
           <p:spPr>
             <a:xfrm>
               <a:off x="4564857" y="1702853"/>
-              <a:ext cx="4576762" cy="2616742"/>
+              <a:ext cx="4576762" cy="2612638"/>
             </a:xfrm>
             <a:prstGeom prst="rect">
               <a:avLst/>
@@ -5097,6 +5097,23 @@
                   <a:cs typeface="Times New Roman" panose="02020603050405020304" pitchFamily="18" charset="0"/>
                 </a:rPr>
                 <a:t>GET</a:t>
+              </a:r>
+              <a:r>
+                <a:rPr lang="en-US" altLang="zh-CN" kern="100" dirty="0">
+                  <a:latin typeface="微软雅黑" panose="020B0503020204020204" pitchFamily="34" charset="-122"/>
+                  <a:ea typeface="微软雅黑" panose="020B0503020204020204" pitchFamily="34" charset="-122"/>
+                  <a:cs typeface="Times New Roman" panose="02020603050405020304" pitchFamily="18" charset="0"/>
+                </a:rPr>
+                <a:t>/</a:t>
+              </a:r>
+              <a:r>
+                <a:rPr lang="en-US" altLang="zh-CN" kern="100" dirty="0">
+                  <a:effectLst/>
+                  <a:latin typeface="微软雅黑" panose="020B0503020204020204" pitchFamily="34" charset="-122"/>
+                  <a:ea typeface="微软雅黑" panose="020B0503020204020204" pitchFamily="34" charset="-122"/>
+                  <a:cs typeface="Times New Roman" panose="02020603050405020304" pitchFamily="18" charset="0"/>
+                </a:rPr>
+                <a:t>PUT</a:t>
               </a:r>
             </a:p>
             <a:p>

--- a/决赛答辩-AnneY.pptx
+++ b/决赛答辩-AnneY.pptx
@@ -5935,7 +5935,7 @@
         </p:nvSpPr>
         <p:spPr>
           <a:xfrm>
-            <a:off x="694690" y="1604645"/>
+            <a:off x="694690" y="987425"/>
             <a:ext cx="7754620" cy="1224280"/>
           </a:xfrm>
         </p:spPr>
@@ -5972,58 +5972,158 @@
               </a:rPr>
               <a:t>作品演示及答辩</a:t>
             </a:r>
-            <a:br>
-              <a:rPr lang="zh-CN" altLang="en-US" sz="3000" b="1" dirty="0">
-                <a:solidFill>
-                  <a:srgbClr val="0029B5"/>
-                </a:solidFill>
-                <a:latin typeface="Microsoft YaHei Bold" panose="020B0503020204020204" charset="-122"/>
-                <a:ea typeface="Microsoft YaHei Bold" panose="020B0503020204020204" charset="-122"/>
-                <a:sym typeface="+mn-ea"/>
+            <a:endParaRPr lang="zh-CN" altLang="en-US" sz="2000" dirty="0">
+              <a:solidFill>
+                <a:schemeClr val="tx1">
+                  <a:lumMod val="75000"/>
+                  <a:lumOff val="25000"/>
+                </a:schemeClr>
+              </a:solidFill>
+              <a:latin typeface="Microsoft YaHei" panose="020B0503020204020204" charset="-122"/>
+              <a:ea typeface="Microsoft YaHei" panose="020B0503020204020204" charset="-122"/>
+              <a:sym typeface="+mn-ea"/>
+            </a:endParaRPr>
+          </a:p>
+        </p:txBody>
+      </p:sp>
+      <p:sp>
+        <p:nvSpPr>
+          <p:cNvPr id="11" name="文本框 10">
+            <a:extLst>
+              <a:ext uri="{FF2B5EF4-FFF2-40B4-BE49-F238E27FC236}">
+                <a16:creationId xmlns:a16="http://schemas.microsoft.com/office/drawing/2014/main" id="{EAE4129A-B269-4604-A62C-A778E17AEC03}"/>
+              </a:ext>
+            </a:extLst>
+          </p:cNvPr>
+          <p:cNvSpPr txBox="1"/>
+          <p:nvPr/>
+        </p:nvSpPr>
+        <p:spPr>
+          <a:xfrm>
+            <a:off x="1859994" y="2468880"/>
+            <a:ext cx="4583430" cy="1324080"/>
+          </a:xfrm>
+          <a:prstGeom prst="rect">
+            <a:avLst/>
+          </a:prstGeom>
+          <a:noFill/>
+        </p:spPr>
+        <p:txBody>
+          <a:bodyPr wrap="square">
+            <a:spAutoFit/>
+          </a:bodyPr>
+          <a:lstStyle/>
+          <a:p>
+            <a:pPr indent="266700">
+              <a:lnSpc>
+                <a:spcPct val="200000"/>
+              </a:lnSpc>
+            </a:pPr>
+            <a:r>
+              <a:rPr lang="zh-CN" altLang="en-US" sz="1400" b="1" kern="100" dirty="0">
+                <a:effectLst/>
+                <a:latin typeface="等线" panose="02010600030101010101" pitchFamily="2" charset="-122"/>
+                <a:ea typeface="微软雅黑" panose="020B0503020204020204" pitchFamily="34" charset="-122"/>
+                <a:cs typeface="Times New Roman" panose="02020603050405020304" pitchFamily="18" charset="0"/>
               </a:rPr>
-            </a:br>
-            <a:r>
-              <a:rPr lang="zh-CN" altLang="en-US" sz="2000" dirty="0">
-                <a:solidFill>
-                  <a:schemeClr val="tx1">
-                    <a:lumMod val="75000"/>
-                    <a:lumOff val="25000"/>
-                  </a:schemeClr>
-                </a:solidFill>
-                <a:latin typeface="Microsoft YaHei" panose="020B0503020204020204" charset="-122"/>
-                <a:ea typeface="Microsoft YaHei" panose="020B0503020204020204" charset="-122"/>
-                <a:sym typeface="+mn-ea"/>
+              <a:t>项目运行</a:t>
+            </a:r>
+            <a:r>
+              <a:rPr lang="en-US" altLang="zh-CN" sz="1400" b="1" kern="100" dirty="0">
+                <a:effectLst/>
+                <a:latin typeface="等线" panose="02010600030101010101" pitchFamily="2" charset="-122"/>
+                <a:ea typeface="微软雅黑" panose="020B0503020204020204" pitchFamily="34" charset="-122"/>
+                <a:cs typeface="Times New Roman" panose="02020603050405020304" pitchFamily="18" charset="0"/>
               </a:rPr>
-              <a:t>（这一部分需线上演示作品</a:t>
-            </a:r>
-            <a:r>
-              <a:rPr lang="en-US" altLang="zh-CN" sz="2000" dirty="0">
-                <a:solidFill>
-                  <a:schemeClr val="tx1">
-                    <a:lumMod val="75000"/>
-                    <a:lumOff val="25000"/>
-                  </a:schemeClr>
-                </a:solidFill>
-                <a:latin typeface="Microsoft YaHei" panose="020B0503020204020204" charset="-122"/>
-                <a:ea typeface="Microsoft YaHei" panose="020B0503020204020204" charset="-122"/>
-                <a:sym typeface="+mn-ea"/>
+              <a:t>Demo</a:t>
+            </a:r>
+            <a:r>
+              <a:rPr lang="zh-CN" altLang="en-US" sz="1400" b="1" kern="100" dirty="0">
+                <a:effectLst/>
+                <a:latin typeface="等线" panose="02010600030101010101" pitchFamily="2" charset="-122"/>
+                <a:ea typeface="微软雅黑" panose="020B0503020204020204" pitchFamily="34" charset="-122"/>
+                <a:cs typeface="Times New Roman" panose="02020603050405020304" pitchFamily="18" charset="0"/>
               </a:rPr>
-              <a:t>demo</a:t>
-            </a:r>
-            <a:r>
-              <a:rPr lang="zh-CN" altLang="en-US" sz="2000" dirty="0">
-                <a:solidFill>
-                  <a:schemeClr val="tx1">
-                    <a:lumMod val="75000"/>
-                    <a:lumOff val="25000"/>
-                  </a:schemeClr>
-                </a:solidFill>
-                <a:latin typeface="Microsoft YaHei" panose="020B0503020204020204" charset="-122"/>
-                <a:ea typeface="Microsoft YaHei" panose="020B0503020204020204" charset="-122"/>
-                <a:sym typeface="+mn-ea"/>
+              <a:t>请访问 </a:t>
+            </a:r>
+            <a:r>
+              <a:rPr lang="en-US" altLang="zh-CN" sz="1400" b="1" kern="100" dirty="0">
+                <a:effectLst/>
+                <a:latin typeface="等线" panose="02010600030101010101" pitchFamily="2" charset="-122"/>
+                <a:ea typeface="微软雅黑" panose="020B0503020204020204" pitchFamily="34" charset="-122"/>
+                <a:cs typeface="Times New Roman" panose="02020603050405020304" pitchFamily="18" charset="0"/>
+                <a:hlinkClick r:id="rId6"/>
               </a:rPr>
-              <a:t>，并回答评委问题）</a:t>
-            </a:r>
+              <a:t>https://mvn.sharpdawn.com</a:t>
+            </a:r>
+            <a:endParaRPr lang="en-US" altLang="zh-CN" sz="1400" b="1" kern="100" dirty="0">
+              <a:effectLst/>
+              <a:latin typeface="等线" panose="02010600030101010101" pitchFamily="2" charset="-122"/>
+              <a:ea typeface="微软雅黑" panose="020B0503020204020204" pitchFamily="34" charset="-122"/>
+              <a:cs typeface="Times New Roman" panose="02020603050405020304" pitchFamily="18" charset="0"/>
+            </a:endParaRPr>
+          </a:p>
+          <a:p>
+            <a:pPr indent="266700">
+              <a:lnSpc>
+                <a:spcPct val="200000"/>
+              </a:lnSpc>
+            </a:pPr>
+            <a:r>
+              <a:rPr lang="zh-CN" altLang="en-US" sz="1400" b="1" kern="100" dirty="0">
+                <a:effectLst/>
+                <a:latin typeface="等线" panose="02010600030101010101" pitchFamily="2" charset="-122"/>
+                <a:ea typeface="微软雅黑" panose="020B0503020204020204" pitchFamily="34" charset="-122"/>
+                <a:cs typeface="Times New Roman" panose="02020603050405020304" pitchFamily="18" charset="0"/>
+              </a:rPr>
+              <a:t>测试用户 </a:t>
+            </a:r>
+            <a:r>
+              <a:rPr lang="en-US" altLang="zh-CN" sz="1400" b="1" kern="100" dirty="0">
+                <a:effectLst/>
+                <a:latin typeface="等线" panose="02010600030101010101" pitchFamily="2" charset="-122"/>
+                <a:ea typeface="微软雅黑" panose="020B0503020204020204" pitchFamily="34" charset="-122"/>
+                <a:cs typeface="Times New Roman" panose="02020603050405020304" pitchFamily="18" charset="0"/>
+                <a:hlinkClick r:id="rId7"/>
+              </a:rPr>
+              <a:t>demo@gmail.com</a:t>
+            </a:r>
+            <a:endParaRPr lang="en-US" altLang="zh-CN" sz="1400" b="1" kern="100" dirty="0">
+              <a:effectLst/>
+              <a:latin typeface="等线" panose="02010600030101010101" pitchFamily="2" charset="-122"/>
+              <a:ea typeface="微软雅黑" panose="020B0503020204020204" pitchFamily="34" charset="-122"/>
+              <a:cs typeface="Times New Roman" panose="02020603050405020304" pitchFamily="18" charset="0"/>
+            </a:endParaRPr>
+          </a:p>
+          <a:p>
+            <a:pPr indent="266700">
+              <a:lnSpc>
+                <a:spcPct val="200000"/>
+              </a:lnSpc>
+            </a:pPr>
+            <a:r>
+              <a:rPr lang="zh-CN" altLang="en-US" sz="1400" b="1" kern="100" dirty="0">
+                <a:effectLst/>
+                <a:latin typeface="等线" panose="02010600030101010101" pitchFamily="2" charset="-122"/>
+                <a:ea typeface="微软雅黑" panose="020B0503020204020204" pitchFamily="34" charset="-122"/>
+                <a:cs typeface="Times New Roman" panose="02020603050405020304" pitchFamily="18" charset="0"/>
+              </a:rPr>
+              <a:t>密码</a:t>
+            </a:r>
+            <a:r>
+              <a:rPr lang="en-US" altLang="zh-CN" sz="1400" b="1" kern="100" dirty="0">
+                <a:effectLst/>
+                <a:latin typeface="等线" panose="02010600030101010101" pitchFamily="2" charset="-122"/>
+                <a:ea typeface="微软雅黑" panose="020B0503020204020204" pitchFamily="34" charset="-122"/>
+                <a:cs typeface="Times New Roman" panose="02020603050405020304" pitchFamily="18" charset="0"/>
+              </a:rPr>
+              <a:t>123456</a:t>
+            </a:r>
+            <a:endParaRPr lang="en-US" altLang="zh-CN" sz="1400" b="1" kern="100" dirty="0">
+              <a:latin typeface="等线" panose="02010600030101010101" pitchFamily="2" charset="-122"/>
+              <a:ea typeface="微软雅黑" panose="020B0503020204020204" pitchFamily="34" charset="-122"/>
+              <a:cs typeface="Times New Roman" panose="02020603050405020304" pitchFamily="18" charset="0"/>
+            </a:endParaRPr>
           </a:p>
         </p:txBody>
       </p:sp>

--- a/决赛答辩-AnneY.pptx
+++ b/决赛答辩-AnneY.pptx
@@ -4500,10 +4500,10 @@
       </p:grpSpPr>
       <p:pic>
         <p:nvPicPr>
-          <p:cNvPr id="8" name="图片 7" descr="图示&#10;&#10;描述已自动生成">
+          <p:cNvPr id="5" name="图片 4" descr="图示&#10;&#10;描述已自动生成">
             <a:extLst>
               <a:ext uri="{FF2B5EF4-FFF2-40B4-BE49-F238E27FC236}">
-                <a16:creationId xmlns:a16="http://schemas.microsoft.com/office/drawing/2014/main" id="{2B9620D6-CD64-4137-BF36-83C96EC332D9}"/>
+                <a16:creationId xmlns:a16="http://schemas.microsoft.com/office/drawing/2014/main" id="{7AE3E1FE-382F-4C70-A49F-CD6D86C53258}"/>
               </a:ext>
             </a:extLst>
           </p:cNvPr>
@@ -4520,7 +4520,7 @@
         </p:blipFill>
         <p:spPr>
           <a:xfrm>
-            <a:off x="240744" y="1463323"/>
+            <a:off x="235268" y="1463323"/>
             <a:ext cx="3924300" cy="2943225"/>
           </a:xfrm>
           <a:prstGeom prst="rect">
@@ -5090,7 +5090,7 @@
                 <a:t>发送带签名的</a:t>
               </a:r>
               <a:r>
-                <a:rPr lang="en-US" altLang="zh-CN" kern="100" dirty="0">
+                <a:rPr lang="en-US" altLang="zh-CN" kern="100">
                   <a:effectLst/>
                   <a:latin typeface="微软雅黑" panose="020B0503020204020204" pitchFamily="34" charset="-122"/>
                   <a:ea typeface="微软雅黑" panose="020B0503020204020204" pitchFamily="34" charset="-122"/>
@@ -5098,23 +5098,12 @@
                 </a:rPr>
                 <a:t>GET</a:t>
               </a:r>
-              <a:r>
-                <a:rPr lang="en-US" altLang="zh-CN" kern="100" dirty="0">
-                  <a:latin typeface="微软雅黑" panose="020B0503020204020204" pitchFamily="34" charset="-122"/>
-                  <a:ea typeface="微软雅黑" panose="020B0503020204020204" pitchFamily="34" charset="-122"/>
-                  <a:cs typeface="Times New Roman" panose="02020603050405020304" pitchFamily="18" charset="0"/>
-                </a:rPr>
-                <a:t>/</a:t>
-              </a:r>
-              <a:r>
-                <a:rPr lang="en-US" altLang="zh-CN" kern="100" dirty="0">
-                  <a:effectLst/>
-                  <a:latin typeface="微软雅黑" panose="020B0503020204020204" pitchFamily="34" charset="-122"/>
-                  <a:ea typeface="微软雅黑" panose="020B0503020204020204" pitchFamily="34" charset="-122"/>
-                  <a:cs typeface="Times New Roman" panose="02020603050405020304" pitchFamily="18" charset="0"/>
-                </a:rPr>
-                <a:t>PUT</a:t>
-              </a:r>
+              <a:endParaRPr lang="en-US" altLang="zh-CN" kern="100" dirty="0">
+                <a:effectLst/>
+                <a:latin typeface="微软雅黑" panose="020B0503020204020204" pitchFamily="34" charset="-122"/>
+                <a:ea typeface="微软雅黑" panose="020B0503020204020204" pitchFamily="34" charset="-122"/>
+                <a:cs typeface="Times New Roman" panose="02020603050405020304" pitchFamily="18" charset="0"/>
+              </a:endParaRPr>
             </a:p>
             <a:p>
               <a:pPr marL="285750" indent="-285750" algn="just">
